--- a/tictactoe finalpresentation.pptx
+++ b/tictactoe finalpresentation.pptx
@@ -6527,13 +6527,8 @@
           <a:p>
             <a:r>
               <a:rPr lang="de-DE" sz="2800" dirty="0"/>
-              <a:t>Künstliche </a:t>
-            </a:r>
-            <a:r>
-              <a:rPr lang="de-DE" sz="2800" dirty="0" err="1"/>
-              <a:t>spielintelligenz</a:t>
-            </a:r>
-            <a:endParaRPr lang="de-DE" sz="2800" dirty="0"/>
+              <a:t>Charakterauswahl (X, O, etc.]</a:t>
+            </a:r>
           </a:p>
         </p:txBody>
       </p:sp>
@@ -7094,7 +7089,15 @@
             <a:pPr lvl="1"/>
             <a:r>
               <a:rPr lang="de-DE" sz="2400" dirty="0"/>
-              <a:t>Singleplayer / </a:t>
+              <a:t>Singleplayer (</a:t>
+            </a:r>
+            <a:r>
+              <a:rPr lang="de-DE" sz="2400"/>
+              <a:t>2 Schwierigkeitsstufen) </a:t>
+            </a:r>
+            <a:r>
+              <a:rPr lang="de-DE" sz="2400" dirty="0"/>
+              <a:t>/ </a:t>
             </a:r>
             <a:r>
               <a:rPr lang="de-DE" sz="2400" dirty="0" err="1"/>
@@ -7112,7 +7115,10 @@
               <a:rPr lang="de-DE" sz="2400" dirty="0" err="1"/>
               <a:t>mode</a:t>
             </a:r>
-            <a:endParaRPr lang="de-DE" sz="2400" dirty="0"/>
+            <a:r>
+              <a:rPr lang="de-DE" sz="2400" dirty="0"/>
+              <a:t> (künstliche Spielintelligenz)</a:t>
+            </a:r>
           </a:p>
           <a:p>
             <a:pPr lvl="1"/>
@@ -9838,10 +9844,10 @@
       </p:sp>
       <p:pic>
         <p:nvPicPr>
-          <p:cNvPr id="14" name="Grafik 13" descr="Ein Bild, das Screenshot enthält.&#10;&#10;Mit sehr hoher Zuverlässigkeit generierte Beschreibung">
+          <p:cNvPr id="3" name="Grafik 2">
             <a:extLst>
               <a:ext uri="{FF2B5EF4-FFF2-40B4-BE49-F238E27FC236}">
-                <a16:creationId xmlns:a16="http://schemas.microsoft.com/office/drawing/2014/main" id="{A4B7E452-D439-4276-8056-E969E845C9FD}"/>
+                <a16:creationId xmlns:a16="http://schemas.microsoft.com/office/drawing/2014/main" id="{715A17D8-2E86-4B3E-87B9-5756A553F6CC}"/>
               </a:ext>
             </a:extLst>
           </p:cNvPr>
@@ -9850,16 +9856,15 @@
           </p:cNvPicPr>
           <p:nvPr/>
         </p:nvPicPr>
-        <p:blipFill>
+        <p:blipFill rotWithShape="1">
           <a:blip r:embed="rId4"/>
-          <a:stretch>
-            <a:fillRect/>
-          </a:stretch>
+          <a:srcRect t="10951" r="1160" b="2420"/>
+          <a:stretch/>
         </p:blipFill>
         <p:spPr>
           <a:xfrm>
-            <a:off x="306883" y="237876"/>
-            <a:ext cx="11480883" cy="5252502"/>
+            <a:off x="335296" y="134168"/>
+            <a:ext cx="11509272" cy="5411438"/>
           </a:xfrm>
           <a:prstGeom prst="rect">
             <a:avLst/>
@@ -9968,7 +9973,7 @@
             </a:r>
             <a:r>
               <a:rPr lang="de-DE" sz="2800" dirty="0"/>
-              <a:t> </a:t>
+              <a:t> - </a:t>
             </a:r>
             <a:r>
               <a:rPr lang="de-DE" sz="2800" dirty="0" err="1"/>
@@ -9990,6 +9995,12 @@
               <a:t>Javascript</a:t>
             </a:r>
             <a:endParaRPr lang="de-DE" sz="2800" dirty="0"/>
+          </a:p>
+          <a:p>
+            <a:r>
+              <a:rPr lang="de-DE" sz="2800" dirty="0"/>
+              <a:t>SCSS</a:t>
+            </a:r>
           </a:p>
           <a:p>
             <a:endParaRPr lang="de-DE" sz="2800" dirty="0"/>
